--- a/ppt 16-9/0333.领受杯饼.pptx
+++ b/ppt 16-9/0333.领受杯饼.pptx
@@ -129,7 +129,7 @@
           <p:cNvPr id="2" name="标题 1">
             <a:extLst>
               <a:ext uri="{FF2B5EF4-FFF2-40B4-BE49-F238E27FC236}">
-                <a16:creationId xmlns:a16="http://schemas.microsoft.com/office/drawing/2014/main" id="{7DDF144C-425B-030B-D138-87054D613CD4}"/>
+                <a16:creationId xmlns:a16="http://schemas.microsoft.com/office/drawing/2014/main" id="{4A712200-5B45-61A2-0272-A728C4BAC6D2}"/>
               </a:ext>
             </a:extLst>
           </p:cNvPr>
@@ -166,7 +166,7 @@
           <p:cNvPr id="3" name="副标题 2">
             <a:extLst>
               <a:ext uri="{FF2B5EF4-FFF2-40B4-BE49-F238E27FC236}">
-                <a16:creationId xmlns:a16="http://schemas.microsoft.com/office/drawing/2014/main" id="{A7415DE9-C958-49E4-C91C-CA653A2C33DE}"/>
+                <a16:creationId xmlns:a16="http://schemas.microsoft.com/office/drawing/2014/main" id="{33D22319-27F8-53B6-2EEB-DCF6CD1B9D92}"/>
               </a:ext>
             </a:extLst>
           </p:cNvPr>
@@ -236,7 +236,7 @@
           <p:cNvPr id="4" name="日期占位符 3">
             <a:extLst>
               <a:ext uri="{FF2B5EF4-FFF2-40B4-BE49-F238E27FC236}">
-                <a16:creationId xmlns:a16="http://schemas.microsoft.com/office/drawing/2014/main" id="{11733FEF-E037-91A0-C95A-A06C4BC1C43A}"/>
+                <a16:creationId xmlns:a16="http://schemas.microsoft.com/office/drawing/2014/main" id="{DE456FD9-8F2E-14CB-B1A0-6CC59059051C}"/>
               </a:ext>
             </a:extLst>
           </p:cNvPr>
@@ -252,7 +252,7 @@
           <a:bodyPr/>
           <a:lstStyle/>
           <a:p>
-            <a:fld id="{0A3801D6-B07E-4C41-B48A-AD55550005DC}" type="datetimeFigureOut">
+            <a:fld id="{B3A62051-DECD-4DC0-AA3D-2D31A4AE0009}" type="datetimeFigureOut">
               <a:rPr lang="zh-CN" altLang="en-US" smtClean="0"/>
               <a:t>2024/3/10</a:t>
             </a:fld>
@@ -265,7 +265,7 @@
           <p:cNvPr id="5" name="页脚占位符 4">
             <a:extLst>
               <a:ext uri="{FF2B5EF4-FFF2-40B4-BE49-F238E27FC236}">
-                <a16:creationId xmlns:a16="http://schemas.microsoft.com/office/drawing/2014/main" id="{6EDB3939-51A7-BF92-1D1A-F6D0DEE9AEC9}"/>
+                <a16:creationId xmlns:a16="http://schemas.microsoft.com/office/drawing/2014/main" id="{214B1425-C819-4A88-9896-1C1D4F64E567}"/>
               </a:ext>
             </a:extLst>
           </p:cNvPr>
@@ -290,7 +290,7 @@
           <p:cNvPr id="6" name="灯片编号占位符 5">
             <a:extLst>
               <a:ext uri="{FF2B5EF4-FFF2-40B4-BE49-F238E27FC236}">
-                <a16:creationId xmlns:a16="http://schemas.microsoft.com/office/drawing/2014/main" id="{F433FA1F-B931-9694-B191-692202C71E2E}"/>
+                <a16:creationId xmlns:a16="http://schemas.microsoft.com/office/drawing/2014/main" id="{01F8FF2C-20F8-F806-62CC-99953572306E}"/>
               </a:ext>
             </a:extLst>
           </p:cNvPr>
@@ -306,7 +306,7 @@
           <a:bodyPr/>
           <a:lstStyle/>
           <a:p>
-            <a:fld id="{75D486F6-8037-4759-B2EB-DEF44DB9169E}" type="slidenum">
+            <a:fld id="{BF9194F4-AC67-4336-AF08-02CC44A84F8F}" type="slidenum">
               <a:rPr lang="zh-CN" altLang="en-US" smtClean="0"/>
               <a:t>‹#›</a:t>
             </a:fld>
@@ -317,7 +317,7 @@
     </p:spTree>
     <p:extLst>
       <p:ext uri="{BB962C8B-B14F-4D97-AF65-F5344CB8AC3E}">
-        <p14:creationId xmlns:p14="http://schemas.microsoft.com/office/powerpoint/2010/main" val="233115425"/>
+        <p14:creationId xmlns:p14="http://schemas.microsoft.com/office/powerpoint/2010/main" val="3112302718"/>
       </p:ext>
     </p:extLst>
   </p:cSld>
@@ -349,7 +349,7 @@
           <p:cNvPr id="2" name="标题 1">
             <a:extLst>
               <a:ext uri="{FF2B5EF4-FFF2-40B4-BE49-F238E27FC236}">
-                <a16:creationId xmlns:a16="http://schemas.microsoft.com/office/drawing/2014/main" id="{DF206A49-9DA2-D116-569D-B8FB7DADB915}"/>
+                <a16:creationId xmlns:a16="http://schemas.microsoft.com/office/drawing/2014/main" id="{0886BD35-33DA-5B33-718E-90B76FD8E411}"/>
               </a:ext>
             </a:extLst>
           </p:cNvPr>
@@ -377,7 +377,7 @@
           <p:cNvPr id="3" name="竖排文字占位符 2">
             <a:extLst>
               <a:ext uri="{FF2B5EF4-FFF2-40B4-BE49-F238E27FC236}">
-                <a16:creationId xmlns:a16="http://schemas.microsoft.com/office/drawing/2014/main" id="{8599EE85-9C5B-7361-69D7-DAD2CB00794B}"/>
+                <a16:creationId xmlns:a16="http://schemas.microsoft.com/office/drawing/2014/main" id="{7745A5D0-8975-CD95-5A0E-A030F021239D}"/>
               </a:ext>
             </a:extLst>
           </p:cNvPr>
@@ -434,7 +434,7 @@
           <p:cNvPr id="4" name="日期占位符 3">
             <a:extLst>
               <a:ext uri="{FF2B5EF4-FFF2-40B4-BE49-F238E27FC236}">
-                <a16:creationId xmlns:a16="http://schemas.microsoft.com/office/drawing/2014/main" id="{85FBBC68-08F6-ACE6-982A-E0D21D409E6B}"/>
+                <a16:creationId xmlns:a16="http://schemas.microsoft.com/office/drawing/2014/main" id="{103EE3A5-CADF-232F-E776-5C20B3F296A3}"/>
               </a:ext>
             </a:extLst>
           </p:cNvPr>
@@ -450,7 +450,7 @@
           <a:bodyPr/>
           <a:lstStyle/>
           <a:p>
-            <a:fld id="{0A3801D6-B07E-4C41-B48A-AD55550005DC}" type="datetimeFigureOut">
+            <a:fld id="{B3A62051-DECD-4DC0-AA3D-2D31A4AE0009}" type="datetimeFigureOut">
               <a:rPr lang="zh-CN" altLang="en-US" smtClean="0"/>
               <a:t>2024/3/10</a:t>
             </a:fld>
@@ -463,7 +463,7 @@
           <p:cNvPr id="5" name="页脚占位符 4">
             <a:extLst>
               <a:ext uri="{FF2B5EF4-FFF2-40B4-BE49-F238E27FC236}">
-                <a16:creationId xmlns:a16="http://schemas.microsoft.com/office/drawing/2014/main" id="{F3E10392-933F-5BAD-2F06-D232AF5091C6}"/>
+                <a16:creationId xmlns:a16="http://schemas.microsoft.com/office/drawing/2014/main" id="{F3F53F68-C5B1-B61A-1C83-E7F7C48D25F9}"/>
               </a:ext>
             </a:extLst>
           </p:cNvPr>
@@ -488,7 +488,7 @@
           <p:cNvPr id="6" name="灯片编号占位符 5">
             <a:extLst>
               <a:ext uri="{FF2B5EF4-FFF2-40B4-BE49-F238E27FC236}">
-                <a16:creationId xmlns:a16="http://schemas.microsoft.com/office/drawing/2014/main" id="{B822E774-0F4B-71AD-3311-70BDC9D0E30E}"/>
+                <a16:creationId xmlns:a16="http://schemas.microsoft.com/office/drawing/2014/main" id="{72258CC8-DE3D-44F1-E11C-B1820E113A89}"/>
               </a:ext>
             </a:extLst>
           </p:cNvPr>
@@ -504,7 +504,7 @@
           <a:bodyPr/>
           <a:lstStyle/>
           <a:p>
-            <a:fld id="{75D486F6-8037-4759-B2EB-DEF44DB9169E}" type="slidenum">
+            <a:fld id="{BF9194F4-AC67-4336-AF08-02CC44A84F8F}" type="slidenum">
               <a:rPr lang="zh-CN" altLang="en-US" smtClean="0"/>
               <a:t>‹#›</a:t>
             </a:fld>
@@ -515,7 +515,7 @@
     </p:spTree>
     <p:extLst>
       <p:ext uri="{BB962C8B-B14F-4D97-AF65-F5344CB8AC3E}">
-        <p14:creationId xmlns:p14="http://schemas.microsoft.com/office/powerpoint/2010/main" val="4213559773"/>
+        <p14:creationId xmlns:p14="http://schemas.microsoft.com/office/powerpoint/2010/main" val="1134073281"/>
       </p:ext>
     </p:extLst>
   </p:cSld>
@@ -547,7 +547,7 @@
           <p:cNvPr id="2" name="竖排标题 1">
             <a:extLst>
               <a:ext uri="{FF2B5EF4-FFF2-40B4-BE49-F238E27FC236}">
-                <a16:creationId xmlns:a16="http://schemas.microsoft.com/office/drawing/2014/main" id="{C59A8E06-88D8-2963-14BF-DAE12B732BD4}"/>
+                <a16:creationId xmlns:a16="http://schemas.microsoft.com/office/drawing/2014/main" id="{0B628725-10C5-E2B6-44DD-CF1248E71870}"/>
               </a:ext>
             </a:extLst>
           </p:cNvPr>
@@ -580,7 +580,7 @@
           <p:cNvPr id="3" name="竖排文字占位符 2">
             <a:extLst>
               <a:ext uri="{FF2B5EF4-FFF2-40B4-BE49-F238E27FC236}">
-                <a16:creationId xmlns:a16="http://schemas.microsoft.com/office/drawing/2014/main" id="{CFF8238E-532E-EB9C-7F9C-545A5BA39F7F}"/>
+                <a16:creationId xmlns:a16="http://schemas.microsoft.com/office/drawing/2014/main" id="{29237B98-5382-D70B-B43F-F5A7C819FE10}"/>
               </a:ext>
             </a:extLst>
           </p:cNvPr>
@@ -642,7 +642,7 @@
           <p:cNvPr id="4" name="日期占位符 3">
             <a:extLst>
               <a:ext uri="{FF2B5EF4-FFF2-40B4-BE49-F238E27FC236}">
-                <a16:creationId xmlns:a16="http://schemas.microsoft.com/office/drawing/2014/main" id="{F31835C4-1F88-58DE-8CC2-715CC6CB1E4B}"/>
+                <a16:creationId xmlns:a16="http://schemas.microsoft.com/office/drawing/2014/main" id="{8602D514-F32B-2691-0E02-8A35623E3154}"/>
               </a:ext>
             </a:extLst>
           </p:cNvPr>
@@ -658,7 +658,7 @@
           <a:bodyPr/>
           <a:lstStyle/>
           <a:p>
-            <a:fld id="{0A3801D6-B07E-4C41-B48A-AD55550005DC}" type="datetimeFigureOut">
+            <a:fld id="{B3A62051-DECD-4DC0-AA3D-2D31A4AE0009}" type="datetimeFigureOut">
               <a:rPr lang="zh-CN" altLang="en-US" smtClean="0"/>
               <a:t>2024/3/10</a:t>
             </a:fld>
@@ -671,7 +671,7 @@
           <p:cNvPr id="5" name="页脚占位符 4">
             <a:extLst>
               <a:ext uri="{FF2B5EF4-FFF2-40B4-BE49-F238E27FC236}">
-                <a16:creationId xmlns:a16="http://schemas.microsoft.com/office/drawing/2014/main" id="{9C953E1B-9CBE-9525-2F7B-4C0CDE99B3D5}"/>
+                <a16:creationId xmlns:a16="http://schemas.microsoft.com/office/drawing/2014/main" id="{ED57DB1E-CB13-DDB2-8BC6-FAD8F0B66413}"/>
               </a:ext>
             </a:extLst>
           </p:cNvPr>
@@ -696,7 +696,7 @@
           <p:cNvPr id="6" name="灯片编号占位符 5">
             <a:extLst>
               <a:ext uri="{FF2B5EF4-FFF2-40B4-BE49-F238E27FC236}">
-                <a16:creationId xmlns:a16="http://schemas.microsoft.com/office/drawing/2014/main" id="{9BD5E880-EFA1-C3FF-26EF-7DB201737735}"/>
+                <a16:creationId xmlns:a16="http://schemas.microsoft.com/office/drawing/2014/main" id="{CC14E717-0452-B053-6FCD-02C6DCC69A58}"/>
               </a:ext>
             </a:extLst>
           </p:cNvPr>
@@ -712,7 +712,7 @@
           <a:bodyPr/>
           <a:lstStyle/>
           <a:p>
-            <a:fld id="{75D486F6-8037-4759-B2EB-DEF44DB9169E}" type="slidenum">
+            <a:fld id="{BF9194F4-AC67-4336-AF08-02CC44A84F8F}" type="slidenum">
               <a:rPr lang="zh-CN" altLang="en-US" smtClean="0"/>
               <a:t>‹#›</a:t>
             </a:fld>
@@ -723,7 +723,7 @@
     </p:spTree>
     <p:extLst>
       <p:ext uri="{BB962C8B-B14F-4D97-AF65-F5344CB8AC3E}">
-        <p14:creationId xmlns:p14="http://schemas.microsoft.com/office/powerpoint/2010/main" val="2465398931"/>
+        <p14:creationId xmlns:p14="http://schemas.microsoft.com/office/powerpoint/2010/main" val="3646097747"/>
       </p:ext>
     </p:extLst>
   </p:cSld>
@@ -755,7 +755,7 @@
           <p:cNvPr id="2" name="标题 1">
             <a:extLst>
               <a:ext uri="{FF2B5EF4-FFF2-40B4-BE49-F238E27FC236}">
-                <a16:creationId xmlns:a16="http://schemas.microsoft.com/office/drawing/2014/main" id="{D9ABE2AB-C99A-8E92-B62D-A7B05093301A}"/>
+                <a16:creationId xmlns:a16="http://schemas.microsoft.com/office/drawing/2014/main" id="{DAA640CF-1720-BFE3-84DF-60A7C5C9D9AA}"/>
               </a:ext>
             </a:extLst>
           </p:cNvPr>
@@ -783,7 +783,7 @@
           <p:cNvPr id="3" name="内容占位符 2">
             <a:extLst>
               <a:ext uri="{FF2B5EF4-FFF2-40B4-BE49-F238E27FC236}">
-                <a16:creationId xmlns:a16="http://schemas.microsoft.com/office/drawing/2014/main" id="{4593EEF5-F7F4-CB47-2D90-98F1581E661A}"/>
+                <a16:creationId xmlns:a16="http://schemas.microsoft.com/office/drawing/2014/main" id="{272ED9FD-4041-E248-42E6-E6600E79F7A3}"/>
               </a:ext>
             </a:extLst>
           </p:cNvPr>
@@ -840,7 +840,7 @@
           <p:cNvPr id="4" name="日期占位符 3">
             <a:extLst>
               <a:ext uri="{FF2B5EF4-FFF2-40B4-BE49-F238E27FC236}">
-                <a16:creationId xmlns:a16="http://schemas.microsoft.com/office/drawing/2014/main" id="{DF7F6AB6-CC87-B2DA-C66B-422B778007D2}"/>
+                <a16:creationId xmlns:a16="http://schemas.microsoft.com/office/drawing/2014/main" id="{C968D6A8-5CBD-EB9A-8E72-6CBE57B6E81D}"/>
               </a:ext>
             </a:extLst>
           </p:cNvPr>
@@ -856,7 +856,7 @@
           <a:bodyPr/>
           <a:lstStyle/>
           <a:p>
-            <a:fld id="{0A3801D6-B07E-4C41-B48A-AD55550005DC}" type="datetimeFigureOut">
+            <a:fld id="{B3A62051-DECD-4DC0-AA3D-2D31A4AE0009}" type="datetimeFigureOut">
               <a:rPr lang="zh-CN" altLang="en-US" smtClean="0"/>
               <a:t>2024/3/10</a:t>
             </a:fld>
@@ -869,7 +869,7 @@
           <p:cNvPr id="5" name="页脚占位符 4">
             <a:extLst>
               <a:ext uri="{FF2B5EF4-FFF2-40B4-BE49-F238E27FC236}">
-                <a16:creationId xmlns:a16="http://schemas.microsoft.com/office/drawing/2014/main" id="{E39C0F3B-6E2E-A596-B279-E32DEECECF9D}"/>
+                <a16:creationId xmlns:a16="http://schemas.microsoft.com/office/drawing/2014/main" id="{15CA612A-1D41-DE1A-9299-63BA2112F369}"/>
               </a:ext>
             </a:extLst>
           </p:cNvPr>
@@ -894,7 +894,7 @@
           <p:cNvPr id="6" name="灯片编号占位符 5">
             <a:extLst>
               <a:ext uri="{FF2B5EF4-FFF2-40B4-BE49-F238E27FC236}">
-                <a16:creationId xmlns:a16="http://schemas.microsoft.com/office/drawing/2014/main" id="{2782A6B0-F830-0FEE-4451-61A4E81841D9}"/>
+                <a16:creationId xmlns:a16="http://schemas.microsoft.com/office/drawing/2014/main" id="{E74BFEA2-06A1-CBE2-6D38-C13FC13B5698}"/>
               </a:ext>
             </a:extLst>
           </p:cNvPr>
@@ -910,7 +910,7 @@
           <a:bodyPr/>
           <a:lstStyle/>
           <a:p>
-            <a:fld id="{75D486F6-8037-4759-B2EB-DEF44DB9169E}" type="slidenum">
+            <a:fld id="{BF9194F4-AC67-4336-AF08-02CC44A84F8F}" type="slidenum">
               <a:rPr lang="zh-CN" altLang="en-US" smtClean="0"/>
               <a:t>‹#›</a:t>
             </a:fld>
@@ -921,7 +921,7 @@
     </p:spTree>
     <p:extLst>
       <p:ext uri="{BB962C8B-B14F-4D97-AF65-F5344CB8AC3E}">
-        <p14:creationId xmlns:p14="http://schemas.microsoft.com/office/powerpoint/2010/main" val="1654739005"/>
+        <p14:creationId xmlns:p14="http://schemas.microsoft.com/office/powerpoint/2010/main" val="659964098"/>
       </p:ext>
     </p:extLst>
   </p:cSld>
@@ -953,7 +953,7 @@
           <p:cNvPr id="2" name="标题 1">
             <a:extLst>
               <a:ext uri="{FF2B5EF4-FFF2-40B4-BE49-F238E27FC236}">
-                <a16:creationId xmlns:a16="http://schemas.microsoft.com/office/drawing/2014/main" id="{D194F4F3-6BF9-D0C0-A076-EEF3181ECD07}"/>
+                <a16:creationId xmlns:a16="http://schemas.microsoft.com/office/drawing/2014/main" id="{66B8C83A-3BF9-97D7-8928-88FF9D71C0B4}"/>
               </a:ext>
             </a:extLst>
           </p:cNvPr>
@@ -990,7 +990,7 @@
           <p:cNvPr id="3" name="文本占位符 2">
             <a:extLst>
               <a:ext uri="{FF2B5EF4-FFF2-40B4-BE49-F238E27FC236}">
-                <a16:creationId xmlns:a16="http://schemas.microsoft.com/office/drawing/2014/main" id="{A74FFD33-3D5A-5149-4362-F6C261F4562C}"/>
+                <a16:creationId xmlns:a16="http://schemas.microsoft.com/office/drawing/2014/main" id="{CB4C2D48-95AD-D5B5-F904-2A013476BA98}"/>
               </a:ext>
             </a:extLst>
           </p:cNvPr>
@@ -1115,7 +1115,7 @@
           <p:cNvPr id="4" name="日期占位符 3">
             <a:extLst>
               <a:ext uri="{FF2B5EF4-FFF2-40B4-BE49-F238E27FC236}">
-                <a16:creationId xmlns:a16="http://schemas.microsoft.com/office/drawing/2014/main" id="{80FC32FF-1DCD-7F4F-43FA-867FA059A6B7}"/>
+                <a16:creationId xmlns:a16="http://schemas.microsoft.com/office/drawing/2014/main" id="{6336D9F0-2549-ACE3-BC46-8D5E7D308E95}"/>
               </a:ext>
             </a:extLst>
           </p:cNvPr>
@@ -1131,7 +1131,7 @@
           <a:bodyPr/>
           <a:lstStyle/>
           <a:p>
-            <a:fld id="{0A3801D6-B07E-4C41-B48A-AD55550005DC}" type="datetimeFigureOut">
+            <a:fld id="{B3A62051-DECD-4DC0-AA3D-2D31A4AE0009}" type="datetimeFigureOut">
               <a:rPr lang="zh-CN" altLang="en-US" smtClean="0"/>
               <a:t>2024/3/10</a:t>
             </a:fld>
@@ -1144,7 +1144,7 @@
           <p:cNvPr id="5" name="页脚占位符 4">
             <a:extLst>
               <a:ext uri="{FF2B5EF4-FFF2-40B4-BE49-F238E27FC236}">
-                <a16:creationId xmlns:a16="http://schemas.microsoft.com/office/drawing/2014/main" id="{936A2AE5-0FE5-B3E9-199A-F179A60A8ED3}"/>
+                <a16:creationId xmlns:a16="http://schemas.microsoft.com/office/drawing/2014/main" id="{492D8132-0B38-AE2C-E297-5A97B4C5023E}"/>
               </a:ext>
             </a:extLst>
           </p:cNvPr>
@@ -1169,7 +1169,7 @@
           <p:cNvPr id="6" name="灯片编号占位符 5">
             <a:extLst>
               <a:ext uri="{FF2B5EF4-FFF2-40B4-BE49-F238E27FC236}">
-                <a16:creationId xmlns:a16="http://schemas.microsoft.com/office/drawing/2014/main" id="{E75C4D3B-B5C4-F647-D459-5F598175EF12}"/>
+                <a16:creationId xmlns:a16="http://schemas.microsoft.com/office/drawing/2014/main" id="{C0AF625F-E517-6AF4-61ED-949B5CE278FE}"/>
               </a:ext>
             </a:extLst>
           </p:cNvPr>
@@ -1185,7 +1185,7 @@
           <a:bodyPr/>
           <a:lstStyle/>
           <a:p>
-            <a:fld id="{75D486F6-8037-4759-B2EB-DEF44DB9169E}" type="slidenum">
+            <a:fld id="{BF9194F4-AC67-4336-AF08-02CC44A84F8F}" type="slidenum">
               <a:rPr lang="zh-CN" altLang="en-US" smtClean="0"/>
               <a:t>‹#›</a:t>
             </a:fld>
@@ -1196,7 +1196,7 @@
     </p:spTree>
     <p:extLst>
       <p:ext uri="{BB962C8B-B14F-4D97-AF65-F5344CB8AC3E}">
-        <p14:creationId xmlns:p14="http://schemas.microsoft.com/office/powerpoint/2010/main" val="2453310506"/>
+        <p14:creationId xmlns:p14="http://schemas.microsoft.com/office/powerpoint/2010/main" val="2562715959"/>
       </p:ext>
     </p:extLst>
   </p:cSld>
@@ -1228,7 +1228,7 @@
           <p:cNvPr id="2" name="标题 1">
             <a:extLst>
               <a:ext uri="{FF2B5EF4-FFF2-40B4-BE49-F238E27FC236}">
-                <a16:creationId xmlns:a16="http://schemas.microsoft.com/office/drawing/2014/main" id="{DFCDB795-ABDD-125B-7934-8B89CB07CEE7}"/>
+                <a16:creationId xmlns:a16="http://schemas.microsoft.com/office/drawing/2014/main" id="{67B9B900-FC16-0D71-3360-9477F16B38F9}"/>
               </a:ext>
             </a:extLst>
           </p:cNvPr>
@@ -1256,7 +1256,7 @@
           <p:cNvPr id="3" name="内容占位符 2">
             <a:extLst>
               <a:ext uri="{FF2B5EF4-FFF2-40B4-BE49-F238E27FC236}">
-                <a16:creationId xmlns:a16="http://schemas.microsoft.com/office/drawing/2014/main" id="{E57FB595-AEC9-5DAF-E1B7-66908A45A5E4}"/>
+                <a16:creationId xmlns:a16="http://schemas.microsoft.com/office/drawing/2014/main" id="{E670646E-12F6-83CA-D039-128E23C59F97}"/>
               </a:ext>
             </a:extLst>
           </p:cNvPr>
@@ -1318,7 +1318,7 @@
           <p:cNvPr id="4" name="内容占位符 3">
             <a:extLst>
               <a:ext uri="{FF2B5EF4-FFF2-40B4-BE49-F238E27FC236}">
-                <a16:creationId xmlns:a16="http://schemas.microsoft.com/office/drawing/2014/main" id="{66BBCB94-9814-2310-3817-6BEEDD1C6456}"/>
+                <a16:creationId xmlns:a16="http://schemas.microsoft.com/office/drawing/2014/main" id="{4BDE7D32-A4A3-A523-8CFA-6DC79E205068}"/>
               </a:ext>
             </a:extLst>
           </p:cNvPr>
@@ -1380,7 +1380,7 @@
           <p:cNvPr id="5" name="日期占位符 4">
             <a:extLst>
               <a:ext uri="{FF2B5EF4-FFF2-40B4-BE49-F238E27FC236}">
-                <a16:creationId xmlns:a16="http://schemas.microsoft.com/office/drawing/2014/main" id="{54B11562-8275-E868-71A6-C361FEF3D1E1}"/>
+                <a16:creationId xmlns:a16="http://schemas.microsoft.com/office/drawing/2014/main" id="{9BC22C20-50B3-E6D9-A1B0-B5F86BF75F89}"/>
               </a:ext>
             </a:extLst>
           </p:cNvPr>
@@ -1396,7 +1396,7 @@
           <a:bodyPr/>
           <a:lstStyle/>
           <a:p>
-            <a:fld id="{0A3801D6-B07E-4C41-B48A-AD55550005DC}" type="datetimeFigureOut">
+            <a:fld id="{B3A62051-DECD-4DC0-AA3D-2D31A4AE0009}" type="datetimeFigureOut">
               <a:rPr lang="zh-CN" altLang="en-US" smtClean="0"/>
               <a:t>2024/3/10</a:t>
             </a:fld>
@@ -1409,7 +1409,7 @@
           <p:cNvPr id="6" name="页脚占位符 5">
             <a:extLst>
               <a:ext uri="{FF2B5EF4-FFF2-40B4-BE49-F238E27FC236}">
-                <a16:creationId xmlns:a16="http://schemas.microsoft.com/office/drawing/2014/main" id="{A1C5162A-4CCA-B9B6-CB7D-861989F623F0}"/>
+                <a16:creationId xmlns:a16="http://schemas.microsoft.com/office/drawing/2014/main" id="{821E3C5F-815F-651E-287E-4CEEABAEF53E}"/>
               </a:ext>
             </a:extLst>
           </p:cNvPr>
@@ -1434,7 +1434,7 @@
           <p:cNvPr id="7" name="灯片编号占位符 6">
             <a:extLst>
               <a:ext uri="{FF2B5EF4-FFF2-40B4-BE49-F238E27FC236}">
-                <a16:creationId xmlns:a16="http://schemas.microsoft.com/office/drawing/2014/main" id="{CFE54C72-32EB-7A67-C0D5-13140D982947}"/>
+                <a16:creationId xmlns:a16="http://schemas.microsoft.com/office/drawing/2014/main" id="{E26067FF-A32C-1A10-14E1-C5172A37E0BB}"/>
               </a:ext>
             </a:extLst>
           </p:cNvPr>
@@ -1450,7 +1450,7 @@
           <a:bodyPr/>
           <a:lstStyle/>
           <a:p>
-            <a:fld id="{75D486F6-8037-4759-B2EB-DEF44DB9169E}" type="slidenum">
+            <a:fld id="{BF9194F4-AC67-4336-AF08-02CC44A84F8F}" type="slidenum">
               <a:rPr lang="zh-CN" altLang="en-US" smtClean="0"/>
               <a:t>‹#›</a:t>
             </a:fld>
@@ -1461,7 +1461,7 @@
     </p:spTree>
     <p:extLst>
       <p:ext uri="{BB962C8B-B14F-4D97-AF65-F5344CB8AC3E}">
-        <p14:creationId xmlns:p14="http://schemas.microsoft.com/office/powerpoint/2010/main" val="94604142"/>
+        <p14:creationId xmlns:p14="http://schemas.microsoft.com/office/powerpoint/2010/main" val="1380494565"/>
       </p:ext>
     </p:extLst>
   </p:cSld>
@@ -1493,7 +1493,7 @@
           <p:cNvPr id="2" name="标题 1">
             <a:extLst>
               <a:ext uri="{FF2B5EF4-FFF2-40B4-BE49-F238E27FC236}">
-                <a16:creationId xmlns:a16="http://schemas.microsoft.com/office/drawing/2014/main" id="{CAEFF21C-EE61-6048-A770-14D5259EC938}"/>
+                <a16:creationId xmlns:a16="http://schemas.microsoft.com/office/drawing/2014/main" id="{F2281DB3-DBC0-13D5-242C-CF9E4C836091}"/>
               </a:ext>
             </a:extLst>
           </p:cNvPr>
@@ -1526,7 +1526,7 @@
           <p:cNvPr id="3" name="文本占位符 2">
             <a:extLst>
               <a:ext uri="{FF2B5EF4-FFF2-40B4-BE49-F238E27FC236}">
-                <a16:creationId xmlns:a16="http://schemas.microsoft.com/office/drawing/2014/main" id="{CD851BAB-B711-151C-1A97-C631359F56C9}"/>
+                <a16:creationId xmlns:a16="http://schemas.microsoft.com/office/drawing/2014/main" id="{48A310A8-AC2A-A167-0B2E-FCF313B2DC07}"/>
               </a:ext>
             </a:extLst>
           </p:cNvPr>
@@ -1597,7 +1597,7 @@
           <p:cNvPr id="4" name="内容占位符 3">
             <a:extLst>
               <a:ext uri="{FF2B5EF4-FFF2-40B4-BE49-F238E27FC236}">
-                <a16:creationId xmlns:a16="http://schemas.microsoft.com/office/drawing/2014/main" id="{B8A7A3AF-B36A-F8E9-C6C5-AA584F340092}"/>
+                <a16:creationId xmlns:a16="http://schemas.microsoft.com/office/drawing/2014/main" id="{88605169-AA68-FE6D-E4AD-921D9053F687}"/>
               </a:ext>
             </a:extLst>
           </p:cNvPr>
@@ -1659,7 +1659,7 @@
           <p:cNvPr id="5" name="文本占位符 4">
             <a:extLst>
               <a:ext uri="{FF2B5EF4-FFF2-40B4-BE49-F238E27FC236}">
-                <a16:creationId xmlns:a16="http://schemas.microsoft.com/office/drawing/2014/main" id="{F24BDB32-4AF2-B984-C255-BF54FBE26FFD}"/>
+                <a16:creationId xmlns:a16="http://schemas.microsoft.com/office/drawing/2014/main" id="{B98C7DFA-8BC2-D12B-DD35-C8C3B676402A}"/>
               </a:ext>
             </a:extLst>
           </p:cNvPr>
@@ -1730,7 +1730,7 @@
           <p:cNvPr id="6" name="内容占位符 5">
             <a:extLst>
               <a:ext uri="{FF2B5EF4-FFF2-40B4-BE49-F238E27FC236}">
-                <a16:creationId xmlns:a16="http://schemas.microsoft.com/office/drawing/2014/main" id="{918693A3-460B-A59F-E7E3-1BB662AAF262}"/>
+                <a16:creationId xmlns:a16="http://schemas.microsoft.com/office/drawing/2014/main" id="{816571D9-ED0B-349F-0A23-77CB53237CBF}"/>
               </a:ext>
             </a:extLst>
           </p:cNvPr>
@@ -1792,7 +1792,7 @@
           <p:cNvPr id="7" name="日期占位符 6">
             <a:extLst>
               <a:ext uri="{FF2B5EF4-FFF2-40B4-BE49-F238E27FC236}">
-                <a16:creationId xmlns:a16="http://schemas.microsoft.com/office/drawing/2014/main" id="{B2BB155F-FC7D-F26B-6C64-39A224A5D60C}"/>
+                <a16:creationId xmlns:a16="http://schemas.microsoft.com/office/drawing/2014/main" id="{F6C32E53-9F6E-59B3-ED51-0D252EC20195}"/>
               </a:ext>
             </a:extLst>
           </p:cNvPr>
@@ -1808,7 +1808,7 @@
           <a:bodyPr/>
           <a:lstStyle/>
           <a:p>
-            <a:fld id="{0A3801D6-B07E-4C41-B48A-AD55550005DC}" type="datetimeFigureOut">
+            <a:fld id="{B3A62051-DECD-4DC0-AA3D-2D31A4AE0009}" type="datetimeFigureOut">
               <a:rPr lang="zh-CN" altLang="en-US" smtClean="0"/>
               <a:t>2024/3/10</a:t>
             </a:fld>
@@ -1821,7 +1821,7 @@
           <p:cNvPr id="8" name="页脚占位符 7">
             <a:extLst>
               <a:ext uri="{FF2B5EF4-FFF2-40B4-BE49-F238E27FC236}">
-                <a16:creationId xmlns:a16="http://schemas.microsoft.com/office/drawing/2014/main" id="{62236B2A-FB0E-FC79-DC3A-EA12748B2BD4}"/>
+                <a16:creationId xmlns:a16="http://schemas.microsoft.com/office/drawing/2014/main" id="{59634EEC-21CE-7945-1457-448C4E1C9D4B}"/>
               </a:ext>
             </a:extLst>
           </p:cNvPr>
@@ -1846,7 +1846,7 @@
           <p:cNvPr id="9" name="灯片编号占位符 8">
             <a:extLst>
               <a:ext uri="{FF2B5EF4-FFF2-40B4-BE49-F238E27FC236}">
-                <a16:creationId xmlns:a16="http://schemas.microsoft.com/office/drawing/2014/main" id="{342F0A0A-46A8-70B7-566A-1D8C340A1020}"/>
+                <a16:creationId xmlns:a16="http://schemas.microsoft.com/office/drawing/2014/main" id="{AB72F447-13DA-9C21-11FD-77645B27FBC9}"/>
               </a:ext>
             </a:extLst>
           </p:cNvPr>
@@ -1862,7 +1862,7 @@
           <a:bodyPr/>
           <a:lstStyle/>
           <a:p>
-            <a:fld id="{75D486F6-8037-4759-B2EB-DEF44DB9169E}" type="slidenum">
+            <a:fld id="{BF9194F4-AC67-4336-AF08-02CC44A84F8F}" type="slidenum">
               <a:rPr lang="zh-CN" altLang="en-US" smtClean="0"/>
               <a:t>‹#›</a:t>
             </a:fld>
@@ -1873,7 +1873,7 @@
     </p:spTree>
     <p:extLst>
       <p:ext uri="{BB962C8B-B14F-4D97-AF65-F5344CB8AC3E}">
-        <p14:creationId xmlns:p14="http://schemas.microsoft.com/office/powerpoint/2010/main" val="1550648528"/>
+        <p14:creationId xmlns:p14="http://schemas.microsoft.com/office/powerpoint/2010/main" val="1142781251"/>
       </p:ext>
     </p:extLst>
   </p:cSld>
@@ -1905,7 +1905,7 @@
           <p:cNvPr id="2" name="标题 1">
             <a:extLst>
               <a:ext uri="{FF2B5EF4-FFF2-40B4-BE49-F238E27FC236}">
-                <a16:creationId xmlns:a16="http://schemas.microsoft.com/office/drawing/2014/main" id="{A0C136E3-6552-E71B-3128-A18A207FE24E}"/>
+                <a16:creationId xmlns:a16="http://schemas.microsoft.com/office/drawing/2014/main" id="{015BC20F-C367-3B1A-66FF-905D40D4D721}"/>
               </a:ext>
             </a:extLst>
           </p:cNvPr>
@@ -1933,7 +1933,7 @@
           <p:cNvPr id="3" name="日期占位符 2">
             <a:extLst>
               <a:ext uri="{FF2B5EF4-FFF2-40B4-BE49-F238E27FC236}">
-                <a16:creationId xmlns:a16="http://schemas.microsoft.com/office/drawing/2014/main" id="{098E1F95-E146-58C3-5F84-EB2A02DAE805}"/>
+                <a16:creationId xmlns:a16="http://schemas.microsoft.com/office/drawing/2014/main" id="{76B755B8-23EA-06A3-D15C-D3306250E49E}"/>
               </a:ext>
             </a:extLst>
           </p:cNvPr>
@@ -1949,7 +1949,7 @@
           <a:bodyPr/>
           <a:lstStyle/>
           <a:p>
-            <a:fld id="{0A3801D6-B07E-4C41-B48A-AD55550005DC}" type="datetimeFigureOut">
+            <a:fld id="{B3A62051-DECD-4DC0-AA3D-2D31A4AE0009}" type="datetimeFigureOut">
               <a:rPr lang="zh-CN" altLang="en-US" smtClean="0"/>
               <a:t>2024/3/10</a:t>
             </a:fld>
@@ -1962,7 +1962,7 @@
           <p:cNvPr id="4" name="页脚占位符 3">
             <a:extLst>
               <a:ext uri="{FF2B5EF4-FFF2-40B4-BE49-F238E27FC236}">
-                <a16:creationId xmlns:a16="http://schemas.microsoft.com/office/drawing/2014/main" id="{B6A66336-071A-4617-F0B7-D76DCB36AFCC}"/>
+                <a16:creationId xmlns:a16="http://schemas.microsoft.com/office/drawing/2014/main" id="{31BAF2EF-69D5-E7FB-0E23-9B9C8E068B98}"/>
               </a:ext>
             </a:extLst>
           </p:cNvPr>
@@ -1987,7 +1987,7 @@
           <p:cNvPr id="5" name="灯片编号占位符 4">
             <a:extLst>
               <a:ext uri="{FF2B5EF4-FFF2-40B4-BE49-F238E27FC236}">
-                <a16:creationId xmlns:a16="http://schemas.microsoft.com/office/drawing/2014/main" id="{B819AFF1-05D5-971C-4FED-D250B74910C1}"/>
+                <a16:creationId xmlns:a16="http://schemas.microsoft.com/office/drawing/2014/main" id="{DEA2896F-C288-54A9-3612-6A9DF94AA849}"/>
               </a:ext>
             </a:extLst>
           </p:cNvPr>
@@ -2003,7 +2003,7 @@
           <a:bodyPr/>
           <a:lstStyle/>
           <a:p>
-            <a:fld id="{75D486F6-8037-4759-B2EB-DEF44DB9169E}" type="slidenum">
+            <a:fld id="{BF9194F4-AC67-4336-AF08-02CC44A84F8F}" type="slidenum">
               <a:rPr lang="zh-CN" altLang="en-US" smtClean="0"/>
               <a:t>‹#›</a:t>
             </a:fld>
@@ -2014,7 +2014,7 @@
     </p:spTree>
     <p:extLst>
       <p:ext uri="{BB962C8B-B14F-4D97-AF65-F5344CB8AC3E}">
-        <p14:creationId xmlns:p14="http://schemas.microsoft.com/office/powerpoint/2010/main" val="2658351918"/>
+        <p14:creationId xmlns:p14="http://schemas.microsoft.com/office/powerpoint/2010/main" val="736531898"/>
       </p:ext>
     </p:extLst>
   </p:cSld>
@@ -2046,7 +2046,7 @@
           <p:cNvPr id="2" name="日期占位符 1">
             <a:extLst>
               <a:ext uri="{FF2B5EF4-FFF2-40B4-BE49-F238E27FC236}">
-                <a16:creationId xmlns:a16="http://schemas.microsoft.com/office/drawing/2014/main" id="{73F251E9-2027-AA9D-E556-F762B662A6C8}"/>
+                <a16:creationId xmlns:a16="http://schemas.microsoft.com/office/drawing/2014/main" id="{7E9A4875-A69B-23EF-1B15-7F730B4EDCAE}"/>
               </a:ext>
             </a:extLst>
           </p:cNvPr>
@@ -2062,7 +2062,7 @@
           <a:bodyPr/>
           <a:lstStyle/>
           <a:p>
-            <a:fld id="{0A3801D6-B07E-4C41-B48A-AD55550005DC}" type="datetimeFigureOut">
+            <a:fld id="{B3A62051-DECD-4DC0-AA3D-2D31A4AE0009}" type="datetimeFigureOut">
               <a:rPr lang="zh-CN" altLang="en-US" smtClean="0"/>
               <a:t>2024/3/10</a:t>
             </a:fld>
@@ -2075,7 +2075,7 @@
           <p:cNvPr id="3" name="页脚占位符 2">
             <a:extLst>
               <a:ext uri="{FF2B5EF4-FFF2-40B4-BE49-F238E27FC236}">
-                <a16:creationId xmlns:a16="http://schemas.microsoft.com/office/drawing/2014/main" id="{7B67A1E3-87BF-DAAD-C270-C4CDBC3A9235}"/>
+                <a16:creationId xmlns:a16="http://schemas.microsoft.com/office/drawing/2014/main" id="{F2C3704F-B671-6247-6C4C-001DDF549DD6}"/>
               </a:ext>
             </a:extLst>
           </p:cNvPr>
@@ -2100,7 +2100,7 @@
           <p:cNvPr id="4" name="灯片编号占位符 3">
             <a:extLst>
               <a:ext uri="{FF2B5EF4-FFF2-40B4-BE49-F238E27FC236}">
-                <a16:creationId xmlns:a16="http://schemas.microsoft.com/office/drawing/2014/main" id="{CEEB8207-581E-8A8C-94F4-D2BBAB59B6FA}"/>
+                <a16:creationId xmlns:a16="http://schemas.microsoft.com/office/drawing/2014/main" id="{962568F4-E730-A959-754D-0E4F41E53BDE}"/>
               </a:ext>
             </a:extLst>
           </p:cNvPr>
@@ -2116,7 +2116,7 @@
           <a:bodyPr/>
           <a:lstStyle/>
           <a:p>
-            <a:fld id="{75D486F6-8037-4759-B2EB-DEF44DB9169E}" type="slidenum">
+            <a:fld id="{BF9194F4-AC67-4336-AF08-02CC44A84F8F}" type="slidenum">
               <a:rPr lang="zh-CN" altLang="en-US" smtClean="0"/>
               <a:t>‹#›</a:t>
             </a:fld>
@@ -2127,7 +2127,7 @@
     </p:spTree>
     <p:extLst>
       <p:ext uri="{BB962C8B-B14F-4D97-AF65-F5344CB8AC3E}">
-        <p14:creationId xmlns:p14="http://schemas.microsoft.com/office/powerpoint/2010/main" val="544298214"/>
+        <p14:creationId xmlns:p14="http://schemas.microsoft.com/office/powerpoint/2010/main" val="1266272263"/>
       </p:ext>
     </p:extLst>
   </p:cSld>
@@ -2159,7 +2159,7 @@
           <p:cNvPr id="2" name="标题 1">
             <a:extLst>
               <a:ext uri="{FF2B5EF4-FFF2-40B4-BE49-F238E27FC236}">
-                <a16:creationId xmlns:a16="http://schemas.microsoft.com/office/drawing/2014/main" id="{4C3382B9-2C4C-14A4-8A06-AD0B510EE40B}"/>
+                <a16:creationId xmlns:a16="http://schemas.microsoft.com/office/drawing/2014/main" id="{1632D68B-08B4-50EB-2A56-726EAB7AC9E8}"/>
               </a:ext>
             </a:extLst>
           </p:cNvPr>
@@ -2196,7 +2196,7 @@
           <p:cNvPr id="3" name="内容占位符 2">
             <a:extLst>
               <a:ext uri="{FF2B5EF4-FFF2-40B4-BE49-F238E27FC236}">
-                <a16:creationId xmlns:a16="http://schemas.microsoft.com/office/drawing/2014/main" id="{C39A2F06-C369-372C-1D43-8920D5AA5991}"/>
+                <a16:creationId xmlns:a16="http://schemas.microsoft.com/office/drawing/2014/main" id="{132AA126-17FA-F41E-37B6-FD5C45CF98CD}"/>
               </a:ext>
             </a:extLst>
           </p:cNvPr>
@@ -2286,7 +2286,7 @@
           <p:cNvPr id="4" name="文本占位符 3">
             <a:extLst>
               <a:ext uri="{FF2B5EF4-FFF2-40B4-BE49-F238E27FC236}">
-                <a16:creationId xmlns:a16="http://schemas.microsoft.com/office/drawing/2014/main" id="{C03C1D71-EB96-D2BD-1A7A-8E1A93636ED5}"/>
+                <a16:creationId xmlns:a16="http://schemas.microsoft.com/office/drawing/2014/main" id="{0E60183C-8E06-5BAC-3A4E-A3C918B6EC44}"/>
               </a:ext>
             </a:extLst>
           </p:cNvPr>
@@ -2357,7 +2357,7 @@
           <p:cNvPr id="5" name="日期占位符 4">
             <a:extLst>
               <a:ext uri="{FF2B5EF4-FFF2-40B4-BE49-F238E27FC236}">
-                <a16:creationId xmlns:a16="http://schemas.microsoft.com/office/drawing/2014/main" id="{E4E265BC-082A-CB3E-00E0-FB232A4F2B5C}"/>
+                <a16:creationId xmlns:a16="http://schemas.microsoft.com/office/drawing/2014/main" id="{4F1BD0D4-1066-03BF-5A0E-96E7AC335DA4}"/>
               </a:ext>
             </a:extLst>
           </p:cNvPr>
@@ -2373,7 +2373,7 @@
           <a:bodyPr/>
           <a:lstStyle/>
           <a:p>
-            <a:fld id="{0A3801D6-B07E-4C41-B48A-AD55550005DC}" type="datetimeFigureOut">
+            <a:fld id="{B3A62051-DECD-4DC0-AA3D-2D31A4AE0009}" type="datetimeFigureOut">
               <a:rPr lang="zh-CN" altLang="en-US" smtClean="0"/>
               <a:t>2024/3/10</a:t>
             </a:fld>
@@ -2386,7 +2386,7 @@
           <p:cNvPr id="6" name="页脚占位符 5">
             <a:extLst>
               <a:ext uri="{FF2B5EF4-FFF2-40B4-BE49-F238E27FC236}">
-                <a16:creationId xmlns:a16="http://schemas.microsoft.com/office/drawing/2014/main" id="{EE69857C-202A-6051-5BC3-662F781E4890}"/>
+                <a16:creationId xmlns:a16="http://schemas.microsoft.com/office/drawing/2014/main" id="{72B67C7C-6512-CCFD-FE13-948850EEE0C5}"/>
               </a:ext>
             </a:extLst>
           </p:cNvPr>
@@ -2411,7 +2411,7 @@
           <p:cNvPr id="7" name="灯片编号占位符 6">
             <a:extLst>
               <a:ext uri="{FF2B5EF4-FFF2-40B4-BE49-F238E27FC236}">
-                <a16:creationId xmlns:a16="http://schemas.microsoft.com/office/drawing/2014/main" id="{91358D3B-6E2D-3344-827C-94AB63E7991F}"/>
+                <a16:creationId xmlns:a16="http://schemas.microsoft.com/office/drawing/2014/main" id="{2B73B333-FB66-A44A-2CC7-2CCAB4D81679}"/>
               </a:ext>
             </a:extLst>
           </p:cNvPr>
@@ -2427,7 +2427,7 @@
           <a:bodyPr/>
           <a:lstStyle/>
           <a:p>
-            <a:fld id="{75D486F6-8037-4759-B2EB-DEF44DB9169E}" type="slidenum">
+            <a:fld id="{BF9194F4-AC67-4336-AF08-02CC44A84F8F}" type="slidenum">
               <a:rPr lang="zh-CN" altLang="en-US" smtClean="0"/>
               <a:t>‹#›</a:t>
             </a:fld>
@@ -2438,7 +2438,7 @@
     </p:spTree>
     <p:extLst>
       <p:ext uri="{BB962C8B-B14F-4D97-AF65-F5344CB8AC3E}">
-        <p14:creationId xmlns:p14="http://schemas.microsoft.com/office/powerpoint/2010/main" val="3718632552"/>
+        <p14:creationId xmlns:p14="http://schemas.microsoft.com/office/powerpoint/2010/main" val="4214768922"/>
       </p:ext>
     </p:extLst>
   </p:cSld>
@@ -2470,7 +2470,7 @@
           <p:cNvPr id="2" name="标题 1">
             <a:extLst>
               <a:ext uri="{FF2B5EF4-FFF2-40B4-BE49-F238E27FC236}">
-                <a16:creationId xmlns:a16="http://schemas.microsoft.com/office/drawing/2014/main" id="{1CD53F8A-6270-2335-36C3-D542CA114325}"/>
+                <a16:creationId xmlns:a16="http://schemas.microsoft.com/office/drawing/2014/main" id="{6496F6A8-23EC-AE16-47B9-BFAFE9808EF9}"/>
               </a:ext>
             </a:extLst>
           </p:cNvPr>
@@ -2507,7 +2507,7 @@
           <p:cNvPr id="3" name="图片占位符 2">
             <a:extLst>
               <a:ext uri="{FF2B5EF4-FFF2-40B4-BE49-F238E27FC236}">
-                <a16:creationId xmlns:a16="http://schemas.microsoft.com/office/drawing/2014/main" id="{C81BA155-6B96-835C-2D9E-1A298B11962B}"/>
+                <a16:creationId xmlns:a16="http://schemas.microsoft.com/office/drawing/2014/main" id="{DAA0A4C0-6088-AE56-384B-F880E4623BDD}"/>
               </a:ext>
             </a:extLst>
           </p:cNvPr>
@@ -2574,7 +2574,7 @@
           <p:cNvPr id="4" name="文本占位符 3">
             <a:extLst>
               <a:ext uri="{FF2B5EF4-FFF2-40B4-BE49-F238E27FC236}">
-                <a16:creationId xmlns:a16="http://schemas.microsoft.com/office/drawing/2014/main" id="{F5FD2922-21E0-A7CE-E83D-66E96F29B414}"/>
+                <a16:creationId xmlns:a16="http://schemas.microsoft.com/office/drawing/2014/main" id="{7F3F3F31-2E67-E55D-A9AD-D9BB3062874C}"/>
               </a:ext>
             </a:extLst>
           </p:cNvPr>
@@ -2645,7 +2645,7 @@
           <p:cNvPr id="5" name="日期占位符 4">
             <a:extLst>
               <a:ext uri="{FF2B5EF4-FFF2-40B4-BE49-F238E27FC236}">
-                <a16:creationId xmlns:a16="http://schemas.microsoft.com/office/drawing/2014/main" id="{3C32E54C-36EB-F928-B113-37859BA17C65}"/>
+                <a16:creationId xmlns:a16="http://schemas.microsoft.com/office/drawing/2014/main" id="{012B38FD-5ECA-C1E7-39FB-2549E1AD418C}"/>
               </a:ext>
             </a:extLst>
           </p:cNvPr>
@@ -2661,7 +2661,7 @@
           <a:bodyPr/>
           <a:lstStyle/>
           <a:p>
-            <a:fld id="{0A3801D6-B07E-4C41-B48A-AD55550005DC}" type="datetimeFigureOut">
+            <a:fld id="{B3A62051-DECD-4DC0-AA3D-2D31A4AE0009}" type="datetimeFigureOut">
               <a:rPr lang="zh-CN" altLang="en-US" smtClean="0"/>
               <a:t>2024/3/10</a:t>
             </a:fld>
@@ -2674,7 +2674,7 @@
           <p:cNvPr id="6" name="页脚占位符 5">
             <a:extLst>
               <a:ext uri="{FF2B5EF4-FFF2-40B4-BE49-F238E27FC236}">
-                <a16:creationId xmlns:a16="http://schemas.microsoft.com/office/drawing/2014/main" id="{30942A55-0981-D335-280A-BD74D5EE0637}"/>
+                <a16:creationId xmlns:a16="http://schemas.microsoft.com/office/drawing/2014/main" id="{3F85E7E4-C69B-7A3C-4944-C40E203F84E2}"/>
               </a:ext>
             </a:extLst>
           </p:cNvPr>
@@ -2699,7 +2699,7 @@
           <p:cNvPr id="7" name="灯片编号占位符 6">
             <a:extLst>
               <a:ext uri="{FF2B5EF4-FFF2-40B4-BE49-F238E27FC236}">
-                <a16:creationId xmlns:a16="http://schemas.microsoft.com/office/drawing/2014/main" id="{507DDF88-3211-3491-01FD-F095390D5223}"/>
+                <a16:creationId xmlns:a16="http://schemas.microsoft.com/office/drawing/2014/main" id="{2D3B6508-0B6C-6B52-646F-F1709AEC52BF}"/>
               </a:ext>
             </a:extLst>
           </p:cNvPr>
@@ -2715,7 +2715,7 @@
           <a:bodyPr/>
           <a:lstStyle/>
           <a:p>
-            <a:fld id="{75D486F6-8037-4759-B2EB-DEF44DB9169E}" type="slidenum">
+            <a:fld id="{BF9194F4-AC67-4336-AF08-02CC44A84F8F}" type="slidenum">
               <a:rPr lang="zh-CN" altLang="en-US" smtClean="0"/>
               <a:t>‹#›</a:t>
             </a:fld>
@@ -2726,7 +2726,7 @@
     </p:spTree>
     <p:extLst>
       <p:ext uri="{BB962C8B-B14F-4D97-AF65-F5344CB8AC3E}">
-        <p14:creationId xmlns:p14="http://schemas.microsoft.com/office/powerpoint/2010/main" val="551913946"/>
+        <p14:creationId xmlns:p14="http://schemas.microsoft.com/office/powerpoint/2010/main" val="981174511"/>
       </p:ext>
     </p:extLst>
   </p:cSld>
@@ -2763,7 +2763,7 @@
           <p:cNvPr id="2" name="标题占位符 1">
             <a:extLst>
               <a:ext uri="{FF2B5EF4-FFF2-40B4-BE49-F238E27FC236}">
-                <a16:creationId xmlns:a16="http://schemas.microsoft.com/office/drawing/2014/main" id="{67885E57-AB46-68DA-A0AC-D5CAED791402}"/>
+                <a16:creationId xmlns:a16="http://schemas.microsoft.com/office/drawing/2014/main" id="{4DACBEC5-A8BA-22A4-9645-9FC41814DB2E}"/>
               </a:ext>
             </a:extLst>
           </p:cNvPr>
@@ -2801,7 +2801,7 @@
           <p:cNvPr id="3" name="文本占位符 2">
             <a:extLst>
               <a:ext uri="{FF2B5EF4-FFF2-40B4-BE49-F238E27FC236}">
-                <a16:creationId xmlns:a16="http://schemas.microsoft.com/office/drawing/2014/main" id="{ACC8BB21-6847-332E-85F7-D38AB9E050E5}"/>
+                <a16:creationId xmlns:a16="http://schemas.microsoft.com/office/drawing/2014/main" id="{A5655504-1B16-7B06-89AE-B3A6553F7795}"/>
               </a:ext>
             </a:extLst>
           </p:cNvPr>
@@ -2868,7 +2868,7 @@
           <p:cNvPr id="4" name="日期占位符 3">
             <a:extLst>
               <a:ext uri="{FF2B5EF4-FFF2-40B4-BE49-F238E27FC236}">
-                <a16:creationId xmlns:a16="http://schemas.microsoft.com/office/drawing/2014/main" id="{ECC907FB-DF30-5D87-F3EC-F37D1175BEAD}"/>
+                <a16:creationId xmlns:a16="http://schemas.microsoft.com/office/drawing/2014/main" id="{320D438C-152F-1158-556D-E1A903EB5801}"/>
               </a:ext>
             </a:extLst>
           </p:cNvPr>
@@ -2902,7 +2902,7 @@
             </a:lvl1pPr>
           </a:lstStyle>
           <a:p>
-            <a:fld id="{0A3801D6-B07E-4C41-B48A-AD55550005DC}" type="datetimeFigureOut">
+            <a:fld id="{B3A62051-DECD-4DC0-AA3D-2D31A4AE0009}" type="datetimeFigureOut">
               <a:rPr lang="zh-CN" altLang="en-US" smtClean="0"/>
               <a:t>2024/3/10</a:t>
             </a:fld>
@@ -2915,7 +2915,7 @@
           <p:cNvPr id="5" name="页脚占位符 4">
             <a:extLst>
               <a:ext uri="{FF2B5EF4-FFF2-40B4-BE49-F238E27FC236}">
-                <a16:creationId xmlns:a16="http://schemas.microsoft.com/office/drawing/2014/main" id="{DF1144DD-4756-20A8-3A4A-F4D7EE7713DA}"/>
+                <a16:creationId xmlns:a16="http://schemas.microsoft.com/office/drawing/2014/main" id="{D838A81B-D807-9539-E094-C617456B9F90}"/>
               </a:ext>
             </a:extLst>
           </p:cNvPr>
@@ -2958,7 +2958,7 @@
           <p:cNvPr id="6" name="灯片编号占位符 5">
             <a:extLst>
               <a:ext uri="{FF2B5EF4-FFF2-40B4-BE49-F238E27FC236}">
-                <a16:creationId xmlns:a16="http://schemas.microsoft.com/office/drawing/2014/main" id="{AABE0311-773C-EF58-41DB-42A50C42FEE7}"/>
+                <a16:creationId xmlns:a16="http://schemas.microsoft.com/office/drawing/2014/main" id="{18B45D28-2244-D8C8-E926-E37C6CDBDA27}"/>
               </a:ext>
             </a:extLst>
           </p:cNvPr>
@@ -2992,7 +2992,7 @@
             </a:lvl1pPr>
           </a:lstStyle>
           <a:p>
-            <a:fld id="{75D486F6-8037-4759-B2EB-DEF44DB9169E}" type="slidenum">
+            <a:fld id="{BF9194F4-AC67-4336-AF08-02CC44A84F8F}" type="slidenum">
               <a:rPr lang="zh-CN" altLang="en-US" smtClean="0"/>
               <a:t>‹#›</a:t>
             </a:fld>
@@ -3003,7 +3003,7 @@
     </p:spTree>
     <p:extLst>
       <p:ext uri="{BB962C8B-B14F-4D97-AF65-F5344CB8AC3E}">
-        <p14:creationId xmlns:p14="http://schemas.microsoft.com/office/powerpoint/2010/main" val="1116048256"/>
+        <p14:creationId xmlns:p14="http://schemas.microsoft.com/office/powerpoint/2010/main" val="2852289945"/>
       </p:ext>
     </p:extLst>
   </p:cSld>
